--- a/Dokumente/Praesentationen/Technische_Praesentationen_03.07.17/praesi.pptx
+++ b/Dokumente/Praesentationen/Technische_Praesentationen_03.07.17/praesi.pptx
@@ -5,7 +5,7 @@
     <p:sldMasterId id="2147483648" r:id="rId1"/>
   </p:sldMasterIdLst>
   <p:notesMasterIdLst>
-    <p:notesMasterId r:id="rId8"/>
+    <p:notesMasterId r:id="rId9"/>
   </p:notesMasterIdLst>
   <p:sldIdLst>
     <p:sldId id="256" r:id="rId2"/>
@@ -14,6 +14,7 @@
     <p:sldId id="258" r:id="rId5"/>
     <p:sldId id="261" r:id="rId6"/>
     <p:sldId id="259" r:id="rId7"/>
+    <p:sldId id="262" r:id="rId8"/>
   </p:sldIdLst>
   <p:sldSz cx="12192000" cy="6858000"/>
   <p:notesSz cx="6858000" cy="9144000"/>
@@ -112,7 +113,16 @@
       </a:defRPr>
     </a:lvl9pPr>
   </p:defaultTextStyle>
+  <p:extLst>
+    <p:ext uri="{EFAFB233-063F-42B5-8137-9DF3F51BA10A}">
+      <p15:sldGuideLst xmlns:p15="http://schemas.microsoft.com/office/powerpoint/2012/main"/>
+    </p:ext>
+  </p:extLst>
 </p:presentation>
+</file>
+
+<file path=ppt/revisionInfo.xml><?xml version="1.0" encoding="utf-8"?>
+<p1510:revInfo xmlns:a="http://schemas.openxmlformats.org/drawingml/2006/main" xmlns:r="http://schemas.openxmlformats.org/officeDocument/2006/relationships" xmlns:p1510="http://schemas.microsoft.com/office/powerpoint/2015/10/main"/>
 </file>
 
 <file path=ppt/notesMasters/notesMaster1.xml><?xml version="1.0" encoding="utf-8"?>
@@ -637,6 +647,78 @@
               <a:rPr lang="en-US" dirty="0"/>
               <a:t> des Systems</a:t>
             </a:r>
+          </a:p>
+          <a:p>
+            <a:endParaRPr lang="en-US" dirty="0"/>
+          </a:p>
+          <a:p>
+            <a:r>
+              <a:rPr lang="en-US" dirty="0"/>
+              <a:t>KATAK: Zu </a:t>
+            </a:r>
+            <a:r>
+              <a:rPr lang="en-US" dirty="0" err="1"/>
+              <a:t>aufwändig</a:t>
+            </a:r>
+            <a:r>
+              <a:rPr lang="en-US" dirty="0"/>
+              <a:t>, </a:t>
+            </a:r>
+            <a:r>
+              <a:rPr lang="en-US" dirty="0" err="1"/>
+              <a:t>sich</a:t>
+            </a:r>
+            <a:r>
+              <a:rPr lang="en-US" dirty="0"/>
+              <a:t> </a:t>
+            </a:r>
+            <a:r>
+              <a:rPr lang="en-US" dirty="0" err="1"/>
+              <a:t>neu</a:t>
+            </a:r>
+            <a:r>
+              <a:rPr lang="en-US" dirty="0"/>
+              <a:t> </a:t>
+            </a:r>
+            <a:r>
+              <a:rPr lang="en-US" dirty="0" err="1"/>
+              <a:t>einzuarbeiten</a:t>
+            </a:r>
+            <a:endParaRPr lang="en-US" dirty="0"/>
+          </a:p>
+          <a:p>
+            <a:r>
+              <a:rPr lang="en-US" dirty="0" err="1"/>
+              <a:t>OSTicky</a:t>
+            </a:r>
+            <a:r>
+              <a:rPr lang="en-US" dirty="0"/>
+              <a:t>: </a:t>
+            </a:r>
+            <a:r>
+              <a:rPr lang="en-US" dirty="0" err="1"/>
+              <a:t>Sinnvoll</a:t>
+            </a:r>
+            <a:r>
+              <a:rPr lang="en-US" dirty="0"/>
+              <a:t> </a:t>
+            </a:r>
+            <a:r>
+              <a:rPr lang="en-US" dirty="0" err="1"/>
+              <a:t>nur</a:t>
+            </a:r>
+            <a:r>
+              <a:rPr lang="en-US" dirty="0"/>
+              <a:t> </a:t>
+            </a:r>
+            <a:r>
+              <a:rPr lang="en-US" dirty="0" err="1"/>
+              <a:t>mit</a:t>
+            </a:r>
+            <a:r>
+              <a:rPr lang="en-US" dirty="0"/>
+              <a:t> Joomla</a:t>
+            </a:r>
             <a:endParaRPr lang="de-AT" dirty="0"/>
           </a:p>
         </p:txBody>
@@ -729,7 +811,7 @@
           <a:p>
             <a:r>
               <a:rPr lang="en-US" dirty="0"/>
-              <a:t>Delete</a:t>
+              <a:t>Read</a:t>
             </a:r>
           </a:p>
           <a:p>
@@ -774,6 +856,102 @@
     <p:extLst>
       <p:ext uri="{BB962C8B-B14F-4D97-AF65-F5344CB8AC3E}">
         <p14:creationId xmlns:p14="http://schemas.microsoft.com/office/powerpoint/2010/main" val="1042024320"/>
+      </p:ext>
+    </p:extLst>
+  </p:cSld>
+  <p:clrMapOvr>
+    <a:masterClrMapping/>
+  </p:clrMapOvr>
+</p:notes>
+</file>
+
+<file path=ppt/notesSlides/notesSlide4.xml><?xml version="1.0" encoding="utf-8"?>
+<p:notes xmlns:a="http://schemas.openxmlformats.org/drawingml/2006/main" xmlns:r="http://schemas.openxmlformats.org/officeDocument/2006/relationships" xmlns:p="http://schemas.openxmlformats.org/presentationml/2006/main">
+  <p:cSld>
+    <p:spTree>
+      <p:nvGrpSpPr>
+        <p:cNvPr id="1" name=""/>
+        <p:cNvGrpSpPr/>
+        <p:nvPr/>
+      </p:nvGrpSpPr>
+      <p:grpSpPr>
+        <a:xfrm>
+          <a:off x="0" y="0"/>
+          <a:ext cx="0" cy="0"/>
+          <a:chOff x="0" y="0"/>
+          <a:chExt cx="0" cy="0"/>
+        </a:xfrm>
+      </p:grpSpPr>
+      <p:sp>
+        <p:nvSpPr>
+          <p:cNvPr id="2" name="Slide Image Placeholder 1"/>
+          <p:cNvSpPr>
+            <a:spLocks noGrp="1" noRot="1" noChangeAspect="1"/>
+          </p:cNvSpPr>
+          <p:nvPr>
+            <p:ph type="sldImg"/>
+          </p:nvPr>
+        </p:nvSpPr>
+        <p:spPr/>
+      </p:sp>
+      <p:sp>
+        <p:nvSpPr>
+          <p:cNvPr id="3" name="Notes Placeholder 2"/>
+          <p:cNvSpPr>
+            <a:spLocks noGrp="1"/>
+          </p:cNvSpPr>
+          <p:nvPr>
+            <p:ph type="body" idx="1"/>
+          </p:nvPr>
+        </p:nvSpPr>
+        <p:spPr/>
+        <p:txBody>
+          <a:bodyPr/>
+          <a:lstStyle/>
+          <a:p>
+            <a:r>
+              <a:rPr lang="en-US" dirty="0" err="1"/>
+              <a:t>Geplante</a:t>
+            </a:r>
+            <a:r>
+              <a:rPr lang="en-US" dirty="0"/>
+              <a:t> </a:t>
+            </a:r>
+            <a:r>
+              <a:rPr lang="en-US" dirty="0" err="1"/>
+              <a:t>Ziele</a:t>
+            </a:r>
+            <a:endParaRPr lang="de-AT" dirty="0"/>
+          </a:p>
+        </p:txBody>
+      </p:sp>
+      <p:sp>
+        <p:nvSpPr>
+          <p:cNvPr id="4" name="Slide Number Placeholder 3"/>
+          <p:cNvSpPr>
+            <a:spLocks noGrp="1"/>
+          </p:cNvSpPr>
+          <p:nvPr>
+            <p:ph type="sldNum" sz="quarter" idx="10"/>
+          </p:nvPr>
+        </p:nvSpPr>
+        <p:spPr/>
+        <p:txBody>
+          <a:bodyPr/>
+          <a:lstStyle/>
+          <a:p>
+            <a:fld id="{F17D30A5-8903-4666-BDB1-AED8FB292B63}" type="slidenum">
+              <a:rPr lang="de-AT" smtClean="0"/>
+              <a:t>6</a:t>
+            </a:fld>
+            <a:endParaRPr lang="de-AT"/>
+          </a:p>
+        </p:txBody>
+      </p:sp>
+    </p:spTree>
+    <p:extLst>
+      <p:ext uri="{BB962C8B-B14F-4D97-AF65-F5344CB8AC3E}">
+        <p14:creationId xmlns:p14="http://schemas.microsoft.com/office/powerpoint/2010/main" val="1881824797"/>
       </p:ext>
     </p:extLst>
   </p:cSld>
@@ -5212,7 +5390,7 @@
             </a:r>
             <a:r>
               <a:rPr lang="en-US" dirty="0" err="1"/>
-              <a:t>OSTicky</a:t>
+              <a:t>OSTicket</a:t>
             </a:r>
             <a:r>
               <a:rPr lang="en-US" dirty="0"/>
@@ -5243,9 +5421,119 @@
           <a:bodyPr/>
           <a:lstStyle/>
           <a:p>
-            <a:pPr marL="0" indent="0">
-              <a:buNone/>
+            <a:pPr>
+              <a:lnSpc>
+                <a:spcPct val="200000"/>
+              </a:lnSpc>
             </a:pPr>
+            <a:r>
+              <a:rPr lang="en-US" dirty="0" err="1"/>
+              <a:t>Erweitern</a:t>
+            </a:r>
+            <a:r>
+              <a:rPr lang="en-US" dirty="0"/>
+              <a:t> und </a:t>
+            </a:r>
+            <a:r>
+              <a:rPr lang="en-US" dirty="0" err="1"/>
+              <a:t>umgestalten</a:t>
+            </a:r>
+            <a:r>
+              <a:rPr lang="en-US" dirty="0"/>
+              <a:t> der </a:t>
+            </a:r>
+            <a:r>
+              <a:rPr lang="en-US" dirty="0" err="1"/>
+              <a:t>OSTicket</a:t>
+            </a:r>
+            <a:r>
+              <a:rPr lang="en-US" dirty="0"/>
+              <a:t> </a:t>
+            </a:r>
+            <a:r>
+              <a:rPr lang="en-US" dirty="0" err="1"/>
+              <a:t>Datenbank</a:t>
+            </a:r>
+            <a:endParaRPr lang="en-US" dirty="0"/>
+          </a:p>
+          <a:p>
+            <a:pPr>
+              <a:lnSpc>
+                <a:spcPct val="200000"/>
+              </a:lnSpc>
+            </a:pPr>
+            <a:r>
+              <a:rPr lang="en-US" dirty="0" err="1"/>
+              <a:t>Einarbeiten</a:t>
+            </a:r>
+            <a:r>
+              <a:rPr lang="en-US" dirty="0"/>
+              <a:t> in die </a:t>
+            </a:r>
+            <a:r>
+              <a:rPr lang="en-US" dirty="0" err="1"/>
+              <a:t>Datenbankanbindung</a:t>
+            </a:r>
+            <a:endParaRPr lang="en-US" dirty="0"/>
+          </a:p>
+          <a:p>
+            <a:pPr>
+              <a:lnSpc>
+                <a:spcPct val="200000"/>
+              </a:lnSpc>
+            </a:pPr>
+            <a:r>
+              <a:rPr lang="en-US" dirty="0" err="1"/>
+              <a:t>Erweiter</a:t>
+            </a:r>
+            <a:r>
+              <a:rPr lang="en-US" dirty="0"/>
+              <a:t> </a:t>
+            </a:r>
+            <a:r>
+              <a:rPr lang="en-US" dirty="0" err="1"/>
+              <a:t>bzw</a:t>
+            </a:r>
+            <a:r>
+              <a:rPr lang="en-US" dirty="0"/>
+              <a:t>. </a:t>
+            </a:r>
+            <a:r>
+              <a:rPr lang="en-US" dirty="0" err="1"/>
+              <a:t>Umschreiben</a:t>
+            </a:r>
+            <a:r>
+              <a:rPr lang="en-US" dirty="0"/>
+              <a:t> der </a:t>
+            </a:r>
+            <a:r>
+              <a:rPr lang="en-US" dirty="0" err="1"/>
+              <a:t>Datenbankanbindung</a:t>
+            </a:r>
+            <a:r>
+              <a:rPr lang="en-US" dirty="0"/>
+              <a:t> </a:t>
+            </a:r>
+            <a:r>
+              <a:rPr lang="en-US" dirty="0" err="1"/>
+              <a:t>für</a:t>
+            </a:r>
+            <a:r>
+              <a:rPr lang="en-US" dirty="0"/>
+              <a:t> </a:t>
+            </a:r>
+            <a:r>
+              <a:rPr lang="en-US" dirty="0" err="1"/>
+              <a:t>unsere</a:t>
+            </a:r>
+            <a:r>
+              <a:rPr lang="en-US" dirty="0"/>
+              <a:t> </a:t>
+            </a:r>
+            <a:r>
+              <a:rPr lang="en-US" dirty="0" err="1"/>
+              <a:t>Zwecke</a:t>
+            </a:r>
             <a:endParaRPr lang="de-AT" dirty="0"/>
           </a:p>
         </p:txBody>
@@ -5254,6 +5542,243 @@
     <p:extLst>
       <p:ext uri="{BB962C8B-B14F-4D97-AF65-F5344CB8AC3E}">
         <p14:creationId xmlns:p14="http://schemas.microsoft.com/office/powerpoint/2010/main" val="340473506"/>
+      </p:ext>
+    </p:extLst>
+  </p:cSld>
+  <p:clrMapOvr>
+    <a:masterClrMapping/>
+  </p:clrMapOvr>
+</p:sld>
+</file>
+
+<file path=ppt/slides/slide7.xml><?xml version="1.0" encoding="utf-8"?>
+<p:sld xmlns:a="http://schemas.openxmlformats.org/drawingml/2006/main" xmlns:r="http://schemas.openxmlformats.org/officeDocument/2006/relationships" xmlns:p="http://schemas.openxmlformats.org/presentationml/2006/main">
+  <p:cSld>
+    <p:spTree>
+      <p:nvGrpSpPr>
+        <p:cNvPr id="1" name=""/>
+        <p:cNvGrpSpPr/>
+        <p:nvPr/>
+      </p:nvGrpSpPr>
+      <p:grpSpPr>
+        <a:xfrm>
+          <a:off x="0" y="0"/>
+          <a:ext cx="0" cy="0"/>
+          <a:chOff x="0" y="0"/>
+          <a:chExt cx="0" cy="0"/>
+        </a:xfrm>
+      </p:grpSpPr>
+      <p:sp>
+        <p:nvSpPr>
+          <p:cNvPr id="2" name="Title 1">
+            <a:extLst>
+              <a:ext uri="{FF2B5EF4-FFF2-40B4-BE49-F238E27FC236}">
+                <a16:creationId xmlns:a16="http://schemas.microsoft.com/office/drawing/2014/main" id="{F02F9C16-8406-4A7B-94F7-DE5902970C67}"/>
+              </a:ext>
+            </a:extLst>
+          </p:cNvPr>
+          <p:cNvSpPr>
+            <a:spLocks noGrp="1"/>
+          </p:cNvSpPr>
+          <p:nvPr>
+            <p:ph type="title"/>
+          </p:nvPr>
+        </p:nvSpPr>
+        <p:spPr/>
+        <p:txBody>
+          <a:bodyPr/>
+          <a:lstStyle/>
+          <a:p>
+            <a:endParaRPr lang="de-AT" dirty="0"/>
+          </a:p>
+        </p:txBody>
+      </p:sp>
+      <p:sp>
+        <p:nvSpPr>
+          <p:cNvPr id="3" name="Content Placeholder 2">
+            <a:extLst>
+              <a:ext uri="{FF2B5EF4-FFF2-40B4-BE49-F238E27FC236}">
+                <a16:creationId xmlns:a16="http://schemas.microsoft.com/office/drawing/2014/main" id="{C13BBA3F-3707-44E8-A794-5764D9EB984C}"/>
+              </a:ext>
+            </a:extLst>
+          </p:cNvPr>
+          <p:cNvSpPr>
+            <a:spLocks noGrp="1"/>
+          </p:cNvSpPr>
+          <p:nvPr>
+            <p:ph idx="1"/>
+          </p:nvPr>
+        </p:nvSpPr>
+        <p:spPr/>
+        <p:txBody>
+          <a:bodyPr/>
+          <a:lstStyle/>
+          <a:p>
+            <a:pPr>
+              <a:lnSpc>
+                <a:spcPct val="150000"/>
+              </a:lnSpc>
+            </a:pPr>
+            <a:r>
+              <a:rPr lang="en-US" dirty="0" err="1"/>
+              <a:t>Dokumentieren</a:t>
+            </a:r>
+            <a:r>
+              <a:rPr lang="en-US" dirty="0"/>
+              <a:t> der </a:t>
+            </a:r>
+            <a:r>
+              <a:rPr lang="en-US" dirty="0" err="1"/>
+              <a:t>OSTicket</a:t>
+            </a:r>
+            <a:r>
+              <a:rPr lang="en-US" dirty="0"/>
+              <a:t> </a:t>
+            </a:r>
+            <a:r>
+              <a:rPr lang="en-US" dirty="0" err="1"/>
+              <a:t>Datenbank</a:t>
+            </a:r>
+            <a:endParaRPr lang="en-US" dirty="0"/>
+          </a:p>
+          <a:p>
+            <a:pPr>
+              <a:lnSpc>
+                <a:spcPct val="150000"/>
+              </a:lnSpc>
+            </a:pPr>
+            <a:r>
+              <a:rPr lang="en-US" dirty="0" err="1"/>
+              <a:t>Dokumentieren</a:t>
+            </a:r>
+            <a:r>
+              <a:rPr lang="en-US" dirty="0"/>
+              <a:t> der </a:t>
+            </a:r>
+            <a:r>
+              <a:rPr lang="en-US" dirty="0" err="1"/>
+              <a:t>Datenbankanbindung</a:t>
+            </a:r>
+            <a:r>
+              <a:rPr lang="en-US" dirty="0"/>
+              <a:t> von </a:t>
+            </a:r>
+            <a:r>
+              <a:rPr lang="en-US" dirty="0" err="1"/>
+              <a:t>OSTicket</a:t>
+            </a:r>
+            <a:endParaRPr lang="en-US" dirty="0"/>
+          </a:p>
+          <a:p>
+            <a:pPr>
+              <a:lnSpc>
+                <a:spcPct val="150000"/>
+              </a:lnSpc>
+            </a:pPr>
+            <a:r>
+              <a:rPr lang="en-US" dirty="0" err="1"/>
+              <a:t>Erstellung</a:t>
+            </a:r>
+            <a:r>
+              <a:rPr lang="en-US" dirty="0"/>
+              <a:t> </a:t>
+            </a:r>
+            <a:r>
+              <a:rPr lang="en-US" dirty="0" err="1"/>
+              <a:t>einer</a:t>
+            </a:r>
+            <a:r>
+              <a:rPr lang="en-US" dirty="0"/>
+              <a:t> </a:t>
+            </a:r>
+            <a:r>
+              <a:rPr lang="en-US" dirty="0" err="1"/>
+              <a:t>Datenbank</a:t>
+            </a:r>
+            <a:r>
+              <a:rPr lang="en-US" dirty="0"/>
+              <a:t> </a:t>
+            </a:r>
+            <a:r>
+              <a:rPr lang="en-US" dirty="0" err="1"/>
+              <a:t>für</a:t>
+            </a:r>
+            <a:r>
+              <a:rPr lang="en-US" dirty="0"/>
+              <a:t> </a:t>
+            </a:r>
+            <a:r>
+              <a:rPr lang="en-US" dirty="0" err="1"/>
+              <a:t>einen</a:t>
+            </a:r>
+            <a:r>
+              <a:rPr lang="en-US" dirty="0"/>
+              <a:t> Java EE </a:t>
+            </a:r>
+            <a:r>
+              <a:rPr lang="en-US" dirty="0" err="1"/>
+              <a:t>Prototypen</a:t>
+            </a:r>
+            <a:endParaRPr lang="en-US" dirty="0"/>
+          </a:p>
+          <a:p>
+            <a:pPr>
+              <a:lnSpc>
+                <a:spcPct val="150000"/>
+              </a:lnSpc>
+            </a:pPr>
+            <a:r>
+              <a:rPr lang="en-US" dirty="0" err="1"/>
+              <a:t>Programmierung</a:t>
+            </a:r>
+            <a:r>
+              <a:rPr lang="en-US" dirty="0"/>
+              <a:t> </a:t>
+            </a:r>
+            <a:r>
+              <a:rPr lang="en-US" dirty="0" err="1"/>
+              <a:t>einer</a:t>
+            </a:r>
+            <a:r>
+              <a:rPr lang="en-US" dirty="0"/>
+              <a:t> </a:t>
+            </a:r>
+            <a:r>
+              <a:rPr lang="en-US" dirty="0" err="1"/>
+              <a:t>Datenbankanbindung</a:t>
+            </a:r>
+            <a:r>
+              <a:rPr lang="en-US" dirty="0"/>
+              <a:t> </a:t>
+            </a:r>
+            <a:r>
+              <a:rPr lang="en-US" dirty="0" err="1"/>
+              <a:t>für</a:t>
+            </a:r>
+            <a:r>
+              <a:rPr lang="en-US" dirty="0"/>
+              <a:t> den </a:t>
+            </a:r>
+            <a:r>
+              <a:rPr lang="en-US" dirty="0" err="1"/>
+              <a:t>JavaEE</a:t>
+            </a:r>
+            <a:r>
+              <a:rPr lang="en-US" dirty="0"/>
+              <a:t> </a:t>
+            </a:r>
+            <a:r>
+              <a:rPr lang="en-US" dirty="0" err="1"/>
+              <a:t>Prototypen</a:t>
+            </a:r>
+            <a:endParaRPr lang="de-AT" dirty="0"/>
+          </a:p>
+        </p:txBody>
+      </p:sp>
+    </p:spTree>
+    <p:extLst>
+      <p:ext uri="{BB962C8B-B14F-4D97-AF65-F5344CB8AC3E}">
+        <p14:creationId xmlns:p14="http://schemas.microsoft.com/office/powerpoint/2010/main" val="3452653826"/>
       </p:ext>
     </p:extLst>
   </p:cSld>

--- a/Dokumente/Praesentationen/Technische_Praesentationen_03.07.17/praesi.pptx
+++ b/Dokumente/Praesentationen/Technische_Praesentationen_03.07.17/praesi.pptx
@@ -5,7 +5,7 @@
     <p:sldMasterId id="2147483648" r:id="rId1"/>
   </p:sldMasterIdLst>
   <p:notesMasterIdLst>
-    <p:notesMasterId r:id="rId9"/>
+    <p:notesMasterId r:id="rId10"/>
   </p:notesMasterIdLst>
   <p:sldIdLst>
     <p:sldId id="256" r:id="rId2"/>
@@ -15,6 +15,7 @@
     <p:sldId id="261" r:id="rId6"/>
     <p:sldId id="259" r:id="rId7"/>
     <p:sldId id="262" r:id="rId8"/>
+    <p:sldId id="263" r:id="rId9"/>
   </p:sldIdLst>
   <p:sldSz cx="12192000" cy="6858000"/>
   <p:notesSz cx="6858000" cy="9144000"/>
@@ -952,6 +953,100 @@
     <p:extLst>
       <p:ext uri="{BB962C8B-B14F-4D97-AF65-F5344CB8AC3E}">
         <p14:creationId xmlns:p14="http://schemas.microsoft.com/office/powerpoint/2010/main" val="1881824797"/>
+      </p:ext>
+    </p:extLst>
+  </p:cSld>
+  <p:clrMapOvr>
+    <a:masterClrMapping/>
+  </p:clrMapOvr>
+</p:notes>
+</file>
+
+<file path=ppt/notesSlides/notesSlide5.xml><?xml version="1.0" encoding="utf-8"?>
+<p:notes xmlns:a="http://schemas.openxmlformats.org/drawingml/2006/main" xmlns:r="http://schemas.openxmlformats.org/officeDocument/2006/relationships" xmlns:p="http://schemas.openxmlformats.org/presentationml/2006/main">
+  <p:cSld>
+    <p:spTree>
+      <p:nvGrpSpPr>
+        <p:cNvPr id="1" name=""/>
+        <p:cNvGrpSpPr/>
+        <p:nvPr/>
+      </p:nvGrpSpPr>
+      <p:grpSpPr>
+        <a:xfrm>
+          <a:off x="0" y="0"/>
+          <a:ext cx="0" cy="0"/>
+          <a:chOff x="0" y="0"/>
+          <a:chExt cx="0" cy="0"/>
+        </a:xfrm>
+      </p:grpSpPr>
+      <p:sp>
+        <p:nvSpPr>
+          <p:cNvPr id="2" name="Slide Image Placeholder 1"/>
+          <p:cNvSpPr>
+            <a:spLocks noGrp="1" noRot="1" noChangeAspect="1"/>
+          </p:cNvSpPr>
+          <p:nvPr>
+            <p:ph type="sldImg"/>
+          </p:nvPr>
+        </p:nvSpPr>
+        <p:spPr/>
+      </p:sp>
+      <p:sp>
+        <p:nvSpPr>
+          <p:cNvPr id="3" name="Notes Placeholder 2"/>
+          <p:cNvSpPr>
+            <a:spLocks noGrp="1"/>
+          </p:cNvSpPr>
+          <p:nvPr>
+            <p:ph type="body" idx="1"/>
+          </p:nvPr>
+        </p:nvSpPr>
+        <p:spPr/>
+        <p:txBody>
+          <a:bodyPr/>
+          <a:lstStyle/>
+          <a:p>
+            <a:r>
+              <a:rPr lang="en-US" dirty="0" err="1"/>
+              <a:t>Durchgeführte</a:t>
+            </a:r>
+            <a:r>
+              <a:rPr lang="en-US" dirty="0"/>
+              <a:t> Dings</a:t>
+            </a:r>
+          </a:p>
+          <a:p>
+            <a:endParaRPr lang="de-AT" dirty="0"/>
+          </a:p>
+        </p:txBody>
+      </p:sp>
+      <p:sp>
+        <p:nvSpPr>
+          <p:cNvPr id="4" name="Slide Number Placeholder 3"/>
+          <p:cNvSpPr>
+            <a:spLocks noGrp="1"/>
+          </p:cNvSpPr>
+          <p:nvPr>
+            <p:ph type="sldNum" sz="quarter" idx="10"/>
+          </p:nvPr>
+        </p:nvSpPr>
+        <p:spPr/>
+        <p:txBody>
+          <a:bodyPr/>
+          <a:lstStyle/>
+          <a:p>
+            <a:fld id="{F17D30A5-8903-4666-BDB1-AED8FB292B63}" type="slidenum">
+              <a:rPr lang="de-AT" smtClean="0"/>
+              <a:t>7</a:t>
+            </a:fld>
+            <a:endParaRPr lang="de-AT"/>
+          </a:p>
+        </p:txBody>
+      </p:sp>
+    </p:spTree>
+    <p:extLst>
+      <p:ext uri="{BB962C8B-B14F-4D97-AF65-F5344CB8AC3E}">
+        <p14:creationId xmlns:p14="http://schemas.microsoft.com/office/powerpoint/2010/main" val="949803288"/>
       </p:ext>
     </p:extLst>
   </p:cSld>
@@ -5257,6 +5352,51 @@
           </a:p>
           <a:p>
             <a:pPr lvl="1"/>
+            <a:endParaRPr lang="en-US" dirty="0"/>
+          </a:p>
+          <a:p>
+            <a:r>
+              <a:rPr lang="en-US" dirty="0"/>
+              <a:t>2 </a:t>
+            </a:r>
+            <a:r>
+              <a:rPr lang="en-US" dirty="0" err="1"/>
+              <a:t>Ansätze</a:t>
+            </a:r>
+            <a:r>
+              <a:rPr lang="en-US" dirty="0"/>
+              <a:t>:</a:t>
+            </a:r>
+          </a:p>
+          <a:p>
+            <a:pPr lvl="1"/>
+            <a:r>
+              <a:rPr lang="en-US" dirty="0" err="1"/>
+              <a:t>Durchführung</a:t>
+            </a:r>
+            <a:r>
+              <a:rPr lang="en-US" dirty="0"/>
+              <a:t> </a:t>
+            </a:r>
+            <a:r>
+              <a:rPr lang="en-US" dirty="0" err="1"/>
+              <a:t>mit</a:t>
+            </a:r>
+            <a:r>
+              <a:rPr lang="en-US" dirty="0"/>
+              <a:t> </a:t>
+            </a:r>
+            <a:r>
+              <a:rPr lang="en-US" dirty="0" err="1"/>
+              <a:t>JavaEE</a:t>
+            </a:r>
+            <a:r>
+              <a:rPr lang="en-US" dirty="0"/>
+              <a:t> Workshop</a:t>
+            </a:r>
+          </a:p>
+          <a:p>
+            <a:pPr lvl="1"/>
             <a:r>
               <a:rPr lang="en-US" dirty="0"/>
               <a:t>CRUD </a:t>
@@ -5265,70 +5405,70 @@
               <a:rPr lang="en-US" dirty="0" err="1"/>
               <a:t>Funktionalität</a:t>
             </a:r>
-            <a:r>
-              <a:rPr lang="en-US" dirty="0"/>
-              <a:t> Out of the Box</a:t>
-            </a:r>
-          </a:p>
-          <a:p>
-            <a:pPr lvl="1"/>
             <a:endParaRPr lang="en-US" dirty="0"/>
           </a:p>
-          <a:p>
-            <a:r>
-              <a:rPr lang="en-US" dirty="0"/>
-              <a:t>2 </a:t>
-            </a:r>
-            <a:r>
-              <a:rPr lang="en-US" dirty="0" err="1"/>
-              <a:t>Ansätze</a:t>
-            </a:r>
-            <a:r>
-              <a:rPr lang="en-US" dirty="0"/>
-              <a:t>:</a:t>
-            </a:r>
-          </a:p>
-          <a:p>
-            <a:pPr lvl="1"/>
-            <a:r>
-              <a:rPr lang="en-US" dirty="0" err="1"/>
-              <a:t>Durchführung</a:t>
-            </a:r>
-            <a:r>
-              <a:rPr lang="en-US" dirty="0"/>
-              <a:t> </a:t>
-            </a:r>
-            <a:r>
-              <a:rPr lang="en-US" dirty="0" err="1"/>
-              <a:t>mit</a:t>
-            </a:r>
-            <a:r>
-              <a:rPr lang="en-US" dirty="0"/>
-              <a:t> </a:t>
-            </a:r>
-            <a:r>
-              <a:rPr lang="en-US" dirty="0" err="1"/>
-              <a:t>JavaEE</a:t>
-            </a:r>
-            <a:r>
-              <a:rPr lang="en-US" dirty="0"/>
-              <a:t> Workshop</a:t>
-            </a:r>
-          </a:p>
-          <a:p>
-            <a:pPr lvl="1"/>
-            <a:r>
-              <a:rPr lang="en-US" dirty="0"/>
-              <a:t>CRUD </a:t>
-            </a:r>
-            <a:r>
-              <a:rPr lang="en-US" dirty="0" err="1"/>
-              <a:t>Funktionalität</a:t>
-            </a:r>
-            <a:endParaRPr lang="en-US" dirty="0"/>
-          </a:p>
-        </p:txBody>
-      </p:sp>
+        </p:txBody>
+      </p:sp>
+      <p:pic>
+        <p:nvPicPr>
+          <p:cNvPr id="4" name="Picture 3">
+            <a:extLst>
+              <a:ext uri="{FF2B5EF4-FFF2-40B4-BE49-F238E27FC236}">
+                <a16:creationId xmlns:a16="http://schemas.microsoft.com/office/drawing/2014/main" id="{F3D26DE2-D72A-4624-AEC9-41EB68107A5B}"/>
+              </a:ext>
+            </a:extLst>
+          </p:cNvPr>
+          <p:cNvPicPr>
+            <a:picLocks noChangeAspect="1"/>
+          </p:cNvPicPr>
+          <p:nvPr/>
+        </p:nvPicPr>
+        <p:blipFill>
+          <a:blip r:embed="rId3"/>
+          <a:stretch>
+            <a:fillRect/>
+          </a:stretch>
+        </p:blipFill>
+        <p:spPr>
+          <a:xfrm>
+            <a:off x="147145" y="1825625"/>
+            <a:ext cx="12065876" cy="907927"/>
+          </a:xfrm>
+          <a:prstGeom prst="rect">
+            <a:avLst/>
+          </a:prstGeom>
+        </p:spPr>
+      </p:pic>
+      <p:pic>
+        <p:nvPicPr>
+          <p:cNvPr id="5" name="Picture 4">
+            <a:extLst>
+              <a:ext uri="{FF2B5EF4-FFF2-40B4-BE49-F238E27FC236}">
+                <a16:creationId xmlns:a16="http://schemas.microsoft.com/office/drawing/2014/main" id="{E6E3EB11-7539-48A2-B187-231323768E12}"/>
+              </a:ext>
+            </a:extLst>
+          </p:cNvPr>
+          <p:cNvPicPr>
+            <a:picLocks noChangeAspect="1"/>
+          </p:cNvPicPr>
+          <p:nvPr/>
+        </p:nvPicPr>
+        <p:blipFill>
+          <a:blip r:embed="rId4"/>
+          <a:stretch>
+            <a:fillRect/>
+          </a:stretch>
+        </p:blipFill>
+        <p:spPr>
+          <a:xfrm>
+            <a:off x="147145" y="4387368"/>
+            <a:ext cx="11803117" cy="918948"/>
+          </a:xfrm>
+          <a:prstGeom prst="rect">
+            <a:avLst/>
+          </a:prstGeom>
+        </p:spPr>
+      </p:pic>
     </p:spTree>
     <p:extLst>
       <p:ext uri="{BB962C8B-B14F-4D97-AF65-F5344CB8AC3E}">
@@ -5339,6 +5479,126 @@
   <p:clrMapOvr>
     <a:masterClrMapping/>
   </p:clrMapOvr>
+  <p:timing>
+    <p:tnLst>
+      <p:par>
+        <p:cTn id="1" dur="indefinite" restart="never" nodeType="tmRoot">
+          <p:childTnLst>
+            <p:seq concurrent="1" nextAc="seek">
+              <p:cTn id="2" dur="indefinite" nodeType="mainSeq">
+                <p:childTnLst>
+                  <p:par>
+                    <p:cTn id="3" fill="hold">
+                      <p:stCondLst>
+                        <p:cond delay="indefinite"/>
+                      </p:stCondLst>
+                      <p:childTnLst>
+                        <p:par>
+                          <p:cTn id="4" fill="hold">
+                            <p:stCondLst>
+                              <p:cond delay="0"/>
+                            </p:stCondLst>
+                            <p:childTnLst>
+                              <p:par>
+                                <p:cTn id="5" presetID="1" presetClass="entr" presetSubtype="0" fill="hold" nodeType="clickEffect">
+                                  <p:stCondLst>
+                                    <p:cond delay="0"/>
+                                  </p:stCondLst>
+                                  <p:childTnLst>
+                                    <p:set>
+                                      <p:cBhvr>
+                                        <p:cTn id="6" dur="1" fill="hold">
+                                          <p:stCondLst>
+                                            <p:cond delay="0"/>
+                                          </p:stCondLst>
+                                        </p:cTn>
+                                        <p:tgtEl>
+                                          <p:spTgt spid="4"/>
+                                        </p:tgtEl>
+                                        <p:attrNameLst>
+                                          <p:attrName>style.visibility</p:attrName>
+                                        </p:attrNameLst>
+                                      </p:cBhvr>
+                                      <p:to>
+                                        <p:strVal val="visible"/>
+                                      </p:to>
+                                    </p:set>
+                                  </p:childTnLst>
+                                </p:cTn>
+                              </p:par>
+                            </p:childTnLst>
+                          </p:cTn>
+                        </p:par>
+                      </p:childTnLst>
+                    </p:cTn>
+                  </p:par>
+                  <p:par>
+                    <p:cTn id="7" fill="hold">
+                      <p:stCondLst>
+                        <p:cond delay="indefinite"/>
+                      </p:stCondLst>
+                      <p:childTnLst>
+                        <p:par>
+                          <p:cTn id="8" fill="hold">
+                            <p:stCondLst>
+                              <p:cond delay="0"/>
+                            </p:stCondLst>
+                            <p:childTnLst>
+                              <p:par>
+                                <p:cTn id="9" presetID="1" presetClass="entr" presetSubtype="0" fill="hold" nodeType="clickEffect">
+                                  <p:stCondLst>
+                                    <p:cond delay="0"/>
+                                  </p:stCondLst>
+                                  <p:childTnLst>
+                                    <p:set>
+                                      <p:cBhvr>
+                                        <p:cTn id="10" dur="1" fill="hold">
+                                          <p:stCondLst>
+                                            <p:cond delay="0"/>
+                                          </p:stCondLst>
+                                        </p:cTn>
+                                        <p:tgtEl>
+                                          <p:spTgt spid="5"/>
+                                        </p:tgtEl>
+                                        <p:attrNameLst>
+                                          <p:attrName>style.visibility</p:attrName>
+                                        </p:attrNameLst>
+                                      </p:cBhvr>
+                                      <p:to>
+                                        <p:strVal val="visible"/>
+                                      </p:to>
+                                    </p:set>
+                                  </p:childTnLst>
+                                </p:cTn>
+                              </p:par>
+                            </p:childTnLst>
+                          </p:cTn>
+                        </p:par>
+                      </p:childTnLst>
+                    </p:cTn>
+                  </p:par>
+                </p:childTnLst>
+              </p:cTn>
+              <p:prevCondLst>
+                <p:cond evt="onPrev" delay="0">
+                  <p:tgtEl>
+                    <p:sldTgt/>
+                  </p:tgtEl>
+                </p:cond>
+              </p:prevCondLst>
+              <p:nextCondLst>
+                <p:cond evt="onNext" delay="0">
+                  <p:tgtEl>
+                    <p:sldTgt/>
+                  </p:tgtEl>
+                </p:cond>
+              </p:nextCondLst>
+            </p:seq>
+          </p:childTnLst>
+        </p:cTn>
+      </p:par>
+    </p:tnLst>
+  </p:timing>
 </p:sld>
 </file>
 
@@ -5779,6 +6039,146 @@
     <p:extLst>
       <p:ext uri="{BB962C8B-B14F-4D97-AF65-F5344CB8AC3E}">
         <p14:creationId xmlns:p14="http://schemas.microsoft.com/office/powerpoint/2010/main" val="3452653826"/>
+      </p:ext>
+    </p:extLst>
+  </p:cSld>
+  <p:clrMapOvr>
+    <a:masterClrMapping/>
+  </p:clrMapOvr>
+</p:sld>
+</file>
+
+<file path=ppt/slides/slide8.xml><?xml version="1.0" encoding="utf-8"?>
+<p:sld xmlns:a="http://schemas.openxmlformats.org/drawingml/2006/main" xmlns:r="http://schemas.openxmlformats.org/officeDocument/2006/relationships" xmlns:p="http://schemas.openxmlformats.org/presentationml/2006/main">
+  <p:cSld>
+    <p:spTree>
+      <p:nvGrpSpPr>
+        <p:cNvPr id="1" name=""/>
+        <p:cNvGrpSpPr/>
+        <p:nvPr/>
+      </p:nvGrpSpPr>
+      <p:grpSpPr>
+        <a:xfrm>
+          <a:off x="0" y="0"/>
+          <a:ext cx="0" cy="0"/>
+          <a:chOff x="0" y="0"/>
+          <a:chExt cx="0" cy="0"/>
+        </a:xfrm>
+      </p:grpSpPr>
+      <p:sp>
+        <p:nvSpPr>
+          <p:cNvPr id="2" name="Title 1">
+            <a:extLst>
+              <a:ext uri="{FF2B5EF4-FFF2-40B4-BE49-F238E27FC236}">
+                <a16:creationId xmlns:a16="http://schemas.microsoft.com/office/drawing/2014/main" id="{ED969967-2649-4564-83FA-3B24E3737FED}"/>
+              </a:ext>
+            </a:extLst>
+          </p:cNvPr>
+          <p:cNvSpPr>
+            <a:spLocks noGrp="1"/>
+          </p:cNvSpPr>
+          <p:nvPr>
+            <p:ph type="title"/>
+          </p:nvPr>
+        </p:nvSpPr>
+        <p:spPr/>
+        <p:txBody>
+          <a:bodyPr/>
+          <a:lstStyle/>
+          <a:p>
+            <a:r>
+              <a:rPr lang="en-US" dirty="0"/>
+              <a:t>Java EE </a:t>
+            </a:r>
+            <a:r>
+              <a:rPr lang="en-US" dirty="0" err="1"/>
+              <a:t>Prototyp</a:t>
+            </a:r>
+            <a:r>
+              <a:rPr lang="en-US" dirty="0"/>
+              <a:t> </a:t>
+            </a:r>
+            <a:r>
+              <a:rPr lang="en-US" dirty="0" err="1"/>
+              <a:t>Datenbankanbindung</a:t>
+            </a:r>
+            <a:endParaRPr lang="de-AT" dirty="0"/>
+          </a:p>
+        </p:txBody>
+      </p:sp>
+      <p:sp>
+        <p:nvSpPr>
+          <p:cNvPr id="3" name="Content Placeholder 2">
+            <a:extLst>
+              <a:ext uri="{FF2B5EF4-FFF2-40B4-BE49-F238E27FC236}">
+                <a16:creationId xmlns:a16="http://schemas.microsoft.com/office/drawing/2014/main" id="{75493A59-64D0-4935-B3C7-B0ABCB96C5D8}"/>
+              </a:ext>
+            </a:extLst>
+          </p:cNvPr>
+          <p:cNvSpPr>
+            <a:spLocks noGrp="1"/>
+          </p:cNvSpPr>
+          <p:nvPr>
+            <p:ph idx="1"/>
+          </p:nvPr>
+        </p:nvSpPr>
+        <p:spPr/>
+        <p:txBody>
+          <a:bodyPr/>
+          <a:lstStyle/>
+          <a:p>
+            <a:r>
+              <a:rPr lang="en-US" dirty="0"/>
+              <a:t>Java </a:t>
+            </a:r>
+            <a:r>
+              <a:rPr lang="en-US" dirty="0" err="1"/>
+              <a:t>Api</a:t>
+            </a:r>
+            <a:r>
+              <a:rPr lang="en-US" dirty="0"/>
+              <a:t> JDBC </a:t>
+            </a:r>
+          </a:p>
+          <a:p>
+            <a:endParaRPr lang="en-US" dirty="0"/>
+          </a:p>
+        </p:txBody>
+      </p:sp>
+      <p:pic>
+        <p:nvPicPr>
+          <p:cNvPr id="4" name="Picture 3">
+            <a:extLst>
+              <a:ext uri="{FF2B5EF4-FFF2-40B4-BE49-F238E27FC236}">
+                <a16:creationId xmlns:a16="http://schemas.microsoft.com/office/drawing/2014/main" id="{D575D1E3-D524-4EC4-912F-517DB7A9D2C5}"/>
+              </a:ext>
+            </a:extLst>
+          </p:cNvPr>
+          <p:cNvPicPr>
+            <a:picLocks noChangeAspect="1"/>
+          </p:cNvPicPr>
+          <p:nvPr/>
+        </p:nvPicPr>
+        <p:blipFill>
+          <a:blip r:embed="rId2"/>
+          <a:stretch>
+            <a:fillRect/>
+          </a:stretch>
+        </p:blipFill>
+        <p:spPr>
+          <a:xfrm>
+            <a:off x="838200" y="2375338"/>
+            <a:ext cx="5671182" cy="3365445"/>
+          </a:xfrm>
+          <a:prstGeom prst="rect">
+            <a:avLst/>
+          </a:prstGeom>
+        </p:spPr>
+      </p:pic>
+    </p:spTree>
+    <p:extLst>
+      <p:ext uri="{BB962C8B-B14F-4D97-AF65-F5344CB8AC3E}">
+        <p14:creationId xmlns:p14="http://schemas.microsoft.com/office/powerpoint/2010/main" val="1867573564"/>
       </p:ext>
     </p:extLst>
   </p:cSld>
